--- a/docs/sprint_2/Prezentace.pptx
+++ b/docs/sprint_2/Prezentace.pptx
@@ -11,10 +11,11 @@
     <p:sldId id="265" r:id="rId5"/>
     <p:sldId id="268" r:id="rId6"/>
     <p:sldId id="266" r:id="rId7"/>
-    <p:sldId id="267" r:id="rId8"/>
-    <p:sldId id="259" r:id="rId9"/>
-    <p:sldId id="263" r:id="rId10"/>
-    <p:sldId id="262" r:id="rId11"/>
+    <p:sldId id="269" r:id="rId8"/>
+    <p:sldId id="267" r:id="rId9"/>
+    <p:sldId id="259" r:id="rId10"/>
+    <p:sldId id="263" r:id="rId11"/>
+    <p:sldId id="262" r:id="rId12"/>
   </p:sldIdLst>
   <p:sldSz cx="9144000" cy="6858000" type="screen4x3"/>
   <p:notesSz cx="6858000" cy="9144000"/>
@@ -6160,6 +6161,118 @@
       </p:grpSpPr>
       <p:sp>
         <p:nvSpPr>
+          <p:cNvPr id="2" name="Nadpis 1"/>
+          <p:cNvSpPr>
+            <a:spLocks noGrp="1"/>
+          </p:cNvSpPr>
+          <p:nvPr>
+            <p:ph type="title"/>
+          </p:nvPr>
+        </p:nvSpPr>
+        <p:spPr/>
+        <p:txBody>
+          <a:bodyPr/>
+          <a:lstStyle/>
+          <a:p>
+            <a:r>
+              <a:rPr lang="cs-CZ" dirty="0" err="1"/>
+              <a:t>SeeNowDo</a:t>
+            </a:r>
+            <a:r>
+              <a:rPr lang="cs-CZ" dirty="0"/>
+              <a:t> – Srovnání grafů </a:t>
+            </a:r>
+            <a:endParaRPr lang="cs-CZ" dirty="0"/>
+          </a:p>
+        </p:txBody>
+      </p:sp>
+      <p:pic>
+        <p:nvPicPr>
+          <p:cNvPr id="4" name="Zástupný symbol pro obsah 3"/>
+          <p:cNvPicPr>
+            <a:picLocks noGrp="1" noChangeAspect="1"/>
+          </p:cNvPicPr>
+          <p:nvPr>
+            <p:ph sz="quarter" idx="1"/>
+          </p:nvPr>
+        </p:nvPicPr>
+        <p:blipFill>
+          <a:blip r:embed="rId2"/>
+          <a:stretch>
+            <a:fillRect/>
+          </a:stretch>
+        </p:blipFill>
+        <p:spPr>
+          <a:xfrm>
+            <a:off x="1049561" y="1556792"/>
+            <a:ext cx="7038782" cy="4896544"/>
+          </a:xfrm>
+          <a:prstGeom prst="rect">
+            <a:avLst/>
+          </a:prstGeom>
+        </p:spPr>
+      </p:pic>
+      <p:sp>
+        <p:nvSpPr>
+          <p:cNvPr id="6" name="TextovéPole 5"/>
+          <p:cNvSpPr txBox="1"/>
+          <p:nvPr/>
+        </p:nvSpPr>
+        <p:spPr>
+          <a:xfrm>
+            <a:off x="4427983" y="2996952"/>
+            <a:ext cx="3660359" cy="646331"/>
+          </a:xfrm>
+          <a:prstGeom prst="rect">
+            <a:avLst/>
+          </a:prstGeom>
+          <a:noFill/>
+        </p:spPr>
+        <p:txBody>
+          <a:bodyPr wrap="square" rtlCol="0">
+            <a:spAutoFit/>
+          </a:bodyPr>
+          <a:lstStyle/>
+          <a:p>
+            <a:r>
+              <a:rPr lang="cs-CZ" dirty="0"/>
+              <a:t>Ve srovnání s grafem č. 1 je zde patrné výrazné zlepšení.</a:t>
+            </a:r>
+          </a:p>
+        </p:txBody>
+      </p:sp>
+    </p:spTree>
+    <p:extLst>
+      <p:ext uri="{BB962C8B-B14F-4D97-AF65-F5344CB8AC3E}">
+        <p14:creationId xmlns:p14="http://schemas.microsoft.com/office/powerpoint/2010/main" val="1244903194"/>
+      </p:ext>
+    </p:extLst>
+  </p:cSld>
+  <p:clrMapOvr>
+    <a:masterClrMapping/>
+  </p:clrMapOvr>
+</p:sld>
+</file>
+
+<file path=ppt/slides/slide11.xml><?xml version="1.0" encoding="utf-8"?>
+<p:sld xmlns:a="http://schemas.openxmlformats.org/drawingml/2006/main" xmlns:r="http://schemas.openxmlformats.org/officeDocument/2006/relationships" xmlns:p="http://schemas.openxmlformats.org/presentationml/2006/main">
+  <p:cSld>
+    <p:spTree>
+      <p:nvGrpSpPr>
+        <p:cNvPr id="1" name=""/>
+        <p:cNvGrpSpPr/>
+        <p:nvPr/>
+      </p:nvGrpSpPr>
+      <p:grpSpPr>
+        <a:xfrm>
+          <a:off x="0" y="0"/>
+          <a:ext cx="0" cy="0"/>
+          <a:chOff x="0" y="0"/>
+          <a:chExt cx="0" cy="0"/>
+        </a:xfrm>
+      </p:grpSpPr>
+      <p:sp>
+        <p:nvSpPr>
           <p:cNvPr id="3" name="Zástupný symbol pro obsah 2"/>
           <p:cNvSpPr>
             <a:spLocks noGrp="1"/>
@@ -6384,9 +6497,16 @@
             <p:ph sz="quarter" idx="1"/>
           </p:nvPr>
         </p:nvSpPr>
-        <p:spPr/>
-        <p:txBody>
-          <a:bodyPr/>
+        <p:spPr>
+          <a:xfrm>
+            <a:off x="301752" y="1527048"/>
+            <a:ext cx="8503920" cy="4710264"/>
+          </a:xfrm>
+        </p:spPr>
+        <p:txBody>
+          <a:bodyPr>
+            <a:normAutofit lnSpcReduction="10000"/>
+          </a:bodyPr>
           <a:lstStyle/>
           <a:p>
             <a:r>
@@ -6419,6 +6539,15 @@
             <a:r>
               <a:rPr lang="cs-CZ" dirty="0"/>
               <a:t>Položky dále také upravovat a měnit (smazat)</a:t>
+            </a:r>
+          </a:p>
+          <a:p>
+            <a:endParaRPr lang="cs-CZ" dirty="0"/>
+          </a:p>
+          <a:p>
+            <a:r>
+              <a:rPr lang="cs-CZ" dirty="0"/>
+              <a:t>Informační systém je také responzivní</a:t>
             </a:r>
             <a:endParaRPr lang="cs-CZ" dirty="0"/>
           </a:p>
@@ -6608,10 +6737,8 @@
       </p:sp>
       <p:pic>
         <p:nvPicPr>
-          <p:cNvPr id="2050" name="Picture 2" descr="C:\Users\Jakub\Downloads\15133636_10207812512138534_253097559_o.png"/>
-          <p:cNvPicPr>
-            <a:picLocks noChangeAspect="1" noChangeArrowheads="1"/>
-          </p:cNvPicPr>
+          <p:cNvPr id="5" name="Obrázek 4"/>
+          <p:cNvPicPr/>
           <p:nvPr/>
         </p:nvPicPr>
         <p:blipFill>
@@ -6629,22 +6756,16 @@
         </p:blipFill>
         <p:spPr bwMode="auto">
           <a:xfrm>
-            <a:off x="467544" y="2132856"/>
-            <a:ext cx="8281549" cy="3672408"/>
+            <a:off x="301752" y="1598410"/>
+            <a:ext cx="8503920" cy="4638901"/>
           </a:xfrm>
           <a:prstGeom prst="rect">
             <a:avLst/>
           </a:prstGeom>
           <a:noFill/>
-          <a:extLst>
-            <a:ext uri="{909E8E84-426E-40DD-AFC4-6F175D3DCCD1}">
-              <a14:hiddenFill xmlns:a14="http://schemas.microsoft.com/office/drawing/2010/main">
-                <a:solidFill>
-                  <a:srgbClr val="FFFFFF"/>
-                </a:solidFill>
-              </a14:hiddenFill>
-            </a:ext>
-          </a:extLst>
+          <a:ln>
+            <a:noFill/>
+          </a:ln>
         </p:spPr>
       </p:pic>
     </p:spTree>
@@ -6841,41 +6962,20 @@
           <a:p>
             <a:r>
               <a:rPr lang="cs-CZ" dirty="0"/>
-              <a:t>Editace knihy</a:t>
-            </a:r>
-          </a:p>
-        </p:txBody>
-      </p:sp>
-      <p:sp>
-        <p:nvSpPr>
-          <p:cNvPr id="3" name="Zástupný symbol pro obsah 2"/>
-          <p:cNvSpPr>
-            <a:spLocks noGrp="1"/>
-          </p:cNvSpPr>
-          <p:nvPr>
-            <p:ph sz="quarter" idx="1"/>
-          </p:nvPr>
-        </p:nvSpPr>
-        <p:spPr/>
-        <p:txBody>
-          <a:bodyPr/>
-          <a:lstStyle/>
-          <a:p>
-            <a:r>
-              <a:rPr lang="cs-CZ" dirty="0"/>
-              <a:t>Formulář editace knihy:</a:t>
-            </a:r>
-          </a:p>
-          <a:p>
-            <a:endParaRPr lang="cs-CZ" dirty="0"/>
+              <a:t>Informační systém </a:t>
+            </a:r>
           </a:p>
         </p:txBody>
       </p:sp>
       <p:pic>
         <p:nvPicPr>
-          <p:cNvPr id="4" name="Obrázek 3"/>
-          <p:cNvPicPr/>
-          <p:nvPr/>
+          <p:cNvPr id="4" name="Zástupný symbol pro obsah 3"/>
+          <p:cNvPicPr>
+            <a:picLocks noGrp="1"/>
+          </p:cNvPicPr>
+          <p:nvPr>
+            <p:ph sz="quarter" idx="1"/>
+          </p:nvPr>
         </p:nvPicPr>
         <p:blipFill>
           <a:blip r:embed="rId2">
@@ -6892,8 +6992,8 @@
         </p:blipFill>
         <p:spPr bwMode="auto">
           <a:xfrm>
-            <a:off x="3076374" y="2780928"/>
-            <a:ext cx="5753100" cy="3028950"/>
+            <a:off x="276956" y="4077072"/>
+            <a:ext cx="8504238" cy="2078247"/>
           </a:xfrm>
           <a:prstGeom prst="rect">
             <a:avLst/>
@@ -6904,42 +7004,43 @@
           </a:ln>
         </p:spPr>
       </p:pic>
-      <p:sp>
-        <p:nvSpPr>
-          <p:cNvPr id="5" name="TextovéPole 4"/>
-          <p:cNvSpPr txBox="1"/>
-          <p:nvPr/>
-        </p:nvSpPr>
-        <p:spPr>
-          <a:xfrm>
-            <a:off x="392919" y="2734250"/>
-            <a:ext cx="2592288" cy="2031325"/>
+      <p:pic>
+        <p:nvPicPr>
+          <p:cNvPr id="5" name="Obrázek 4"/>
+          <p:cNvPicPr/>
+          <p:nvPr/>
+        </p:nvPicPr>
+        <p:blipFill>
+          <a:blip r:embed="rId3">
+            <a:extLst>
+              <a:ext uri="{28A0092B-C50C-407E-A947-70E740481C1C}">
+                <a14:useLocalDpi xmlns:a14="http://schemas.microsoft.com/office/drawing/2010/main" val="0"/>
+              </a:ext>
+            </a:extLst>
+          </a:blip>
+          <a:srcRect/>
+          <a:stretch>
+            <a:fillRect/>
+          </a:stretch>
+        </p:blipFill>
+        <p:spPr bwMode="auto">
+          <a:xfrm>
+            <a:off x="276956" y="1484784"/>
+            <a:ext cx="5467350" cy="2438400"/>
           </a:xfrm>
           <a:prstGeom prst="rect">
             <a:avLst/>
           </a:prstGeom>
           <a:noFill/>
-        </p:spPr>
-        <p:txBody>
-          <a:bodyPr wrap="square" rtlCol="0">
-            <a:spAutoFit/>
-          </a:bodyPr>
-          <a:lstStyle/>
-          <a:p>
-            <a:r>
-              <a:rPr lang="cs-CZ" dirty="0"/>
-              <a:t>Ve formuláři můžeme upravit název, autora a počet kusů dané knihy. Formulář editace je jednoduchý a přehledný.</a:t>
-            </a:r>
-          </a:p>
-          <a:p>
-            <a:endParaRPr lang="cs-CZ" dirty="0"/>
-          </a:p>
-        </p:txBody>
-      </p:sp>
+          <a:ln>
+            <a:noFill/>
+          </a:ln>
+        </p:spPr>
+      </p:pic>
     </p:spTree>
     <p:extLst>
       <p:ext uri="{BB962C8B-B14F-4D97-AF65-F5344CB8AC3E}">
-        <p14:creationId xmlns:p14="http://schemas.microsoft.com/office/powerpoint/2010/main" val="511884569"/>
+        <p14:creationId xmlns:p14="http://schemas.microsoft.com/office/powerpoint/2010/main" val="1788092753"/>
       </p:ext>
     </p:extLst>
   </p:cSld>
@@ -6982,25 +7083,42 @@
           <a:lstStyle/>
           <a:p>
             <a:r>
-              <a:rPr lang="cs-CZ" dirty="0" err="1"/>
-              <a:t>SeeNowDo</a:t>
-            </a:r>
-            <a:r>
               <a:rPr lang="cs-CZ" dirty="0"/>
-              <a:t> – Srovnání grafů </a:t>
-            </a:r>
+              <a:t>Editace knihy</a:t>
+            </a:r>
+          </a:p>
+        </p:txBody>
+      </p:sp>
+      <p:sp>
+        <p:nvSpPr>
+          <p:cNvPr id="3" name="Zástupný symbol pro obsah 2"/>
+          <p:cNvSpPr>
+            <a:spLocks noGrp="1"/>
+          </p:cNvSpPr>
+          <p:nvPr>
+            <p:ph sz="quarter" idx="1"/>
+          </p:nvPr>
+        </p:nvSpPr>
+        <p:spPr/>
+        <p:txBody>
+          <a:bodyPr/>
+          <a:lstStyle/>
+          <a:p>
+            <a:r>
+              <a:rPr lang="cs-CZ" dirty="0"/>
+              <a:t>Formulář editace knihy:</a:t>
+            </a:r>
+          </a:p>
+          <a:p>
+            <a:endParaRPr lang="cs-CZ" dirty="0"/>
           </a:p>
         </p:txBody>
       </p:sp>
       <p:pic>
         <p:nvPicPr>
-          <p:cNvPr id="1028" name="Picture 4"/>
-          <p:cNvPicPr>
-            <a:picLocks noGrp="1" noChangeAspect="1" noChangeArrowheads="1"/>
-          </p:cNvPicPr>
-          <p:nvPr>
-            <p:ph sz="quarter" idx="1"/>
-          </p:nvPr>
+          <p:cNvPr id="4" name="Obrázek 3"/>
+          <p:cNvPicPr/>
+          <p:nvPr/>
         </p:nvPicPr>
         <p:blipFill>
           <a:blip r:embed="rId2">
@@ -7017,8 +7135,8 @@
         </p:blipFill>
         <p:spPr bwMode="auto">
           <a:xfrm>
-            <a:off x="1043608" y="1628800"/>
-            <a:ext cx="7290521" cy="4951416"/>
+            <a:off x="3076374" y="2780928"/>
+            <a:ext cx="5753100" cy="3028950"/>
           </a:xfrm>
           <a:prstGeom prst="rect">
             <a:avLst/>
@@ -7027,37 +7145,18 @@
           <a:ln>
             <a:noFill/>
           </a:ln>
-          <a:extLst>
-            <a:ext uri="{909E8E84-426E-40DD-AFC4-6F175D3DCCD1}">
-              <a14:hiddenFill xmlns:a14="http://schemas.microsoft.com/office/drawing/2010/main">
-                <a:solidFill>
-                  <a:schemeClr val="accent1"/>
-                </a:solidFill>
-              </a14:hiddenFill>
-            </a:ext>
-            <a:ext uri="{91240B29-F687-4F45-9708-019B960494DF}">
-              <a14:hiddenLine xmlns:a14="http://schemas.microsoft.com/office/drawing/2010/main" w="9525">
-                <a:solidFill>
-                  <a:schemeClr val="tx1"/>
-                </a:solidFill>
-                <a:miter lim="800000"/>
-                <a:headEnd/>
-                <a:tailEnd/>
-              </a14:hiddenLine>
-            </a:ext>
-          </a:extLst>
         </p:spPr>
       </p:pic>
       <p:sp>
         <p:nvSpPr>
-          <p:cNvPr id="3" name="TextovéPole 2"/>
+          <p:cNvPr id="5" name="TextovéPole 4"/>
           <p:cNvSpPr txBox="1"/>
           <p:nvPr/>
         </p:nvSpPr>
         <p:spPr>
           <a:xfrm>
-            <a:off x="3491880" y="2636912"/>
-            <a:ext cx="3384376" cy="369332"/>
+            <a:off x="392919" y="2734250"/>
+            <a:ext cx="2592288" cy="2031325"/>
           </a:xfrm>
           <a:prstGeom prst="rect">
             <a:avLst/>
@@ -7072,15 +7171,18 @@
           <a:p>
             <a:r>
               <a:rPr lang="cs-CZ" dirty="0"/>
-              <a:t>Graf sprintu č. 1 nebyl ideální</a:t>
-            </a:r>
+              <a:t>Ve formuláři můžeme upravit název, autora a počet kusů dané knihy. Formulář editace je jednoduchý a přehledný.</a:t>
+            </a:r>
+          </a:p>
+          <a:p>
+            <a:endParaRPr lang="cs-CZ" dirty="0"/>
           </a:p>
         </p:txBody>
       </p:sp>
     </p:spTree>
     <p:extLst>
       <p:ext uri="{BB962C8B-B14F-4D97-AF65-F5344CB8AC3E}">
-        <p14:creationId xmlns:p14="http://schemas.microsoft.com/office/powerpoint/2010/main" val="1441170495"/>
+        <p14:creationId xmlns:p14="http://schemas.microsoft.com/office/powerpoint/2010/main" val="511884569"/>
       </p:ext>
     </p:extLst>
   </p:cSld>
@@ -7130,46 +7232,75 @@
               <a:rPr lang="cs-CZ" dirty="0"/>
               <a:t> – Srovnání grafů </a:t>
             </a:r>
-            <a:endParaRPr lang="cs-CZ" dirty="0"/>
           </a:p>
         </p:txBody>
       </p:sp>
       <p:pic>
         <p:nvPicPr>
-          <p:cNvPr id="4" name="Zástupný symbol pro obsah 3"/>
+          <p:cNvPr id="1028" name="Picture 4"/>
           <p:cNvPicPr>
-            <a:picLocks noGrp="1" noChangeAspect="1"/>
+            <a:picLocks noGrp="1" noChangeAspect="1" noChangeArrowheads="1"/>
           </p:cNvPicPr>
           <p:nvPr>
             <p:ph sz="quarter" idx="1"/>
           </p:nvPr>
         </p:nvPicPr>
         <p:blipFill>
-          <a:blip r:embed="rId2"/>
+          <a:blip r:embed="rId2">
+            <a:extLst>
+              <a:ext uri="{28A0092B-C50C-407E-A947-70E740481C1C}">
+                <a14:useLocalDpi xmlns:a14="http://schemas.microsoft.com/office/drawing/2010/main" val="0"/>
+              </a:ext>
+            </a:extLst>
+          </a:blip>
+          <a:srcRect/>
           <a:stretch>
             <a:fillRect/>
           </a:stretch>
         </p:blipFill>
+        <p:spPr bwMode="auto">
+          <a:xfrm>
+            <a:off x="1043608" y="1628800"/>
+            <a:ext cx="7290521" cy="4951416"/>
+          </a:xfrm>
+          <a:prstGeom prst="rect">
+            <a:avLst/>
+          </a:prstGeom>
+          <a:noFill/>
+          <a:ln>
+            <a:noFill/>
+          </a:ln>
+          <a:extLst>
+            <a:ext uri="{909E8E84-426E-40DD-AFC4-6F175D3DCCD1}">
+              <a14:hiddenFill xmlns:a14="http://schemas.microsoft.com/office/drawing/2010/main">
+                <a:solidFill>
+                  <a:schemeClr val="accent1"/>
+                </a:solidFill>
+              </a14:hiddenFill>
+            </a:ext>
+            <a:ext uri="{91240B29-F687-4F45-9708-019B960494DF}">
+              <a14:hiddenLine xmlns:a14="http://schemas.microsoft.com/office/drawing/2010/main" w="9525">
+                <a:solidFill>
+                  <a:schemeClr val="tx1"/>
+                </a:solidFill>
+                <a:miter lim="800000"/>
+                <a:headEnd/>
+                <a:tailEnd/>
+              </a14:hiddenLine>
+            </a:ext>
+          </a:extLst>
+        </p:spPr>
+      </p:pic>
+      <p:sp>
+        <p:nvSpPr>
+          <p:cNvPr id="3" name="TextovéPole 2"/>
+          <p:cNvSpPr txBox="1"/>
+          <p:nvPr/>
+        </p:nvSpPr>
         <p:spPr>
           <a:xfrm>
-            <a:off x="1049561" y="1556792"/>
-            <a:ext cx="7038782" cy="4896544"/>
-          </a:xfrm>
-          <a:prstGeom prst="rect">
-            <a:avLst/>
-          </a:prstGeom>
-        </p:spPr>
-      </p:pic>
-      <p:sp>
-        <p:nvSpPr>
-          <p:cNvPr id="6" name="TextovéPole 5"/>
-          <p:cNvSpPr txBox="1"/>
-          <p:nvPr/>
-        </p:nvSpPr>
-        <p:spPr>
-          <a:xfrm>
-            <a:off x="4427983" y="2996952"/>
-            <a:ext cx="3660359" cy="646331"/>
+            <a:off x="3491880" y="2636912"/>
+            <a:ext cx="3384376" cy="369332"/>
           </a:xfrm>
           <a:prstGeom prst="rect">
             <a:avLst/>
@@ -7184,7 +7315,7 @@
           <a:p>
             <a:r>
               <a:rPr lang="cs-CZ" dirty="0"/>
-              <a:t>Ve srovnání s grafem č. 1 je zde patrné výrazné zlepšení.</a:t>
+              <a:t>Graf sprintu č. 1 nebyl ideální</a:t>
             </a:r>
           </a:p>
         </p:txBody>
@@ -7192,7 +7323,7 @@
     </p:spTree>
     <p:extLst>
       <p:ext uri="{BB962C8B-B14F-4D97-AF65-F5344CB8AC3E}">
-        <p14:creationId xmlns:p14="http://schemas.microsoft.com/office/powerpoint/2010/main" val="1244903194"/>
+        <p14:creationId xmlns:p14="http://schemas.microsoft.com/office/powerpoint/2010/main" val="1441170495"/>
       </p:ext>
     </p:extLst>
   </p:cSld>
